--- a/Data Structures using C#/data-structures-using-.net-core-csharp/Linked List/Single Linked List/Single Linked List.pptx
+++ b/Data Structures using C#/data-structures-using-.net-core-csharp/Linked List/Single Linked List/Single Linked List.pptx
@@ -207,7 +207,7 @@
           <a:p>
             <a:fld id="{2FB6FFA2-5596-DA47-A26B-229D3D705C9C}" type="datetimeFigureOut">
               <a:rPr lang="en-US" smtClean="0"/>
-              <a:t>1/1/22</a:t>
+              <a:t>5/26/22</a:t>
             </a:fld>
             <a:endParaRPr lang="en-US"/>
           </a:p>
@@ -1545,7 +1545,7 @@
           <a:p>
             <a:fld id="{D7AFABE5-C7E3-F145-818B-F1C9F2CF8384}" type="datetimeFigureOut">
               <a:rPr lang="en-US" smtClean="0"/>
-              <a:t>1/1/22</a:t>
+              <a:t>5/26/22</a:t>
             </a:fld>
             <a:endParaRPr lang="en-US"/>
           </a:p>
@@ -1743,7 +1743,7 @@
           <a:p>
             <a:fld id="{D7AFABE5-C7E3-F145-818B-F1C9F2CF8384}" type="datetimeFigureOut">
               <a:rPr lang="en-US" smtClean="0"/>
-              <a:t>1/1/22</a:t>
+              <a:t>5/26/22</a:t>
             </a:fld>
             <a:endParaRPr lang="en-US"/>
           </a:p>
@@ -1951,7 +1951,7 @@
           <a:p>
             <a:fld id="{D7AFABE5-C7E3-F145-818B-F1C9F2CF8384}" type="datetimeFigureOut">
               <a:rPr lang="en-US" smtClean="0"/>
-              <a:t>1/1/22</a:t>
+              <a:t>5/26/22</a:t>
             </a:fld>
             <a:endParaRPr lang="en-US"/>
           </a:p>
@@ -2149,7 +2149,7 @@
           <a:p>
             <a:fld id="{D7AFABE5-C7E3-F145-818B-F1C9F2CF8384}" type="datetimeFigureOut">
               <a:rPr lang="en-US" smtClean="0"/>
-              <a:t>1/1/22</a:t>
+              <a:t>5/26/22</a:t>
             </a:fld>
             <a:endParaRPr lang="en-US"/>
           </a:p>
@@ -2424,7 +2424,7 @@
           <a:p>
             <a:fld id="{D7AFABE5-C7E3-F145-818B-F1C9F2CF8384}" type="datetimeFigureOut">
               <a:rPr lang="en-US" smtClean="0"/>
-              <a:t>1/1/22</a:t>
+              <a:t>5/26/22</a:t>
             </a:fld>
             <a:endParaRPr lang="en-US"/>
           </a:p>
@@ -2689,7 +2689,7 @@
           <a:p>
             <a:fld id="{D7AFABE5-C7E3-F145-818B-F1C9F2CF8384}" type="datetimeFigureOut">
               <a:rPr lang="en-US" smtClean="0"/>
-              <a:t>1/1/22</a:t>
+              <a:t>5/26/22</a:t>
             </a:fld>
             <a:endParaRPr lang="en-US"/>
           </a:p>
@@ -3101,7 +3101,7 @@
           <a:p>
             <a:fld id="{D7AFABE5-C7E3-F145-818B-F1C9F2CF8384}" type="datetimeFigureOut">
               <a:rPr lang="en-US" smtClean="0"/>
-              <a:t>1/1/22</a:t>
+              <a:t>5/26/22</a:t>
             </a:fld>
             <a:endParaRPr lang="en-US"/>
           </a:p>
@@ -3242,7 +3242,7 @@
           <a:p>
             <a:fld id="{D7AFABE5-C7E3-F145-818B-F1C9F2CF8384}" type="datetimeFigureOut">
               <a:rPr lang="en-US" smtClean="0"/>
-              <a:t>1/1/22</a:t>
+              <a:t>5/26/22</a:t>
             </a:fld>
             <a:endParaRPr lang="en-US"/>
           </a:p>
@@ -3355,7 +3355,7 @@
           <a:p>
             <a:fld id="{D7AFABE5-C7E3-F145-818B-F1C9F2CF8384}" type="datetimeFigureOut">
               <a:rPr lang="en-US" smtClean="0"/>
-              <a:t>1/1/22</a:t>
+              <a:t>5/26/22</a:t>
             </a:fld>
             <a:endParaRPr lang="en-US"/>
           </a:p>
@@ -3666,7 +3666,7 @@
           <a:p>
             <a:fld id="{D7AFABE5-C7E3-F145-818B-F1C9F2CF8384}" type="datetimeFigureOut">
               <a:rPr lang="en-US" smtClean="0"/>
-              <a:t>1/1/22</a:t>
+              <a:t>5/26/22</a:t>
             </a:fld>
             <a:endParaRPr lang="en-US"/>
           </a:p>
@@ -3954,7 +3954,7 @@
           <a:p>
             <a:fld id="{D7AFABE5-C7E3-F145-818B-F1C9F2CF8384}" type="datetimeFigureOut">
               <a:rPr lang="en-US" smtClean="0"/>
-              <a:t>1/1/22</a:t>
+              <a:t>5/26/22</a:t>
             </a:fld>
             <a:endParaRPr lang="en-US"/>
           </a:p>
@@ -4195,7 +4195,7 @@
           <a:p>
             <a:fld id="{D7AFABE5-C7E3-F145-818B-F1C9F2CF8384}" type="datetimeFigureOut">
               <a:rPr lang="en-US" smtClean="0"/>
-              <a:t>1/1/22</a:t>
+              <a:t>5/26/22</a:t>
             </a:fld>
             <a:endParaRPr lang="en-US"/>
           </a:p>
@@ -7630,80 +7630,6 @@
             <a:endParaRPr lang="en-US" sz="2000" dirty="0"/>
           </a:p>
           <a:p>
-            <a:endParaRPr lang="en-US" dirty="0"/>
-          </a:p>
-        </p:txBody>
-      </p:sp>
-      <p:sp>
-        <p:nvSpPr>
-          <p:cNvPr id="12" name="TextBox 11">
-            <a:extLst>
-              <a:ext uri="{FF2B5EF4-FFF2-40B4-BE49-F238E27FC236}">
-                <a16:creationId xmlns:a16="http://schemas.microsoft.com/office/drawing/2014/main" id="{4A1757EB-3A18-5044-AC4F-F3ED72C9D30B}"/>
-              </a:ext>
-            </a:extLst>
-          </p:cNvPr>
-          <p:cNvSpPr txBox="1"/>
-          <p:nvPr/>
-        </p:nvSpPr>
-        <p:spPr>
-          <a:xfrm>
-            <a:off x="383934" y="3745721"/>
-            <a:ext cx="5626607" cy="1754326"/>
-          </a:xfrm>
-          <a:prstGeom prst="rect">
-            <a:avLst/>
-          </a:prstGeom>
-          <a:noFill/>
-          <a:effectLst>
-            <a:glow rad="63500">
-              <a:schemeClr val="accent2">
-                <a:satMod val="175000"/>
-                <a:alpha val="0"/>
-              </a:schemeClr>
-            </a:glow>
-          </a:effectLst>
-        </p:spPr>
-        <p:txBody>
-          <a:bodyPr wrap="square" rtlCol="0">
-            <a:spAutoFit/>
-          </a:bodyPr>
-          <a:lstStyle/>
-          <a:p>
-            <a:r>
-              <a:rPr lang="en-US" dirty="0"/>
-              <a:t>main()</a:t>
-            </a:r>
-          </a:p>
-          <a:p>
-            <a:r>
-              <a:rPr lang="en-US" dirty="0"/>
-              <a:t>{</a:t>
-            </a:r>
-          </a:p>
-          <a:p>
-            <a:r>
-              <a:rPr lang="en-US" dirty="0"/>
-              <a:t>       int a[]={1,2,3};</a:t>
-            </a:r>
-          </a:p>
-          <a:p>
-            <a:r>
-              <a:rPr lang="en-US" dirty="0"/>
-              <a:t>       printf(“%d %d %d”,a[0],a[1],a[2]);</a:t>
-            </a:r>
-          </a:p>
-          <a:p>
-            <a:r>
-              <a:rPr lang="en-US" dirty="0"/>
-              <a:t>}</a:t>
-            </a:r>
-          </a:p>
-          <a:p>
-            <a:r>
-              <a:rPr lang="en-US" b="1" dirty="0"/>
-              <a:t>Output:1 2 3</a:t>
-            </a:r>
             <a:endParaRPr lang="en-US" dirty="0"/>
           </a:p>
         </p:txBody>
@@ -30938,18 +30864,10 @@
                   <a:srgbClr val="BDBDBD"/>
                 </a:solidFill>
               </a:rPr>
-              <a:t>    ele </a:t>
-            </a:r>
-            <a:r>
-              <a:rPr lang="en-US">
-                <a:solidFill>
-                  <a:srgbClr val="BDBDBD"/>
-                </a:solidFill>
-              </a:rPr>
-              <a:t>= </a:t>
-            </a:r>
-            <a:r>
-              <a:rPr lang="en-US">
+              <a:t>    ele = </a:t>
+            </a:r>
+            <a:r>
+              <a:rPr lang="en-US" dirty="0" err="1">
                 <a:solidFill>
                   <a:srgbClr val="66C3CC"/>
                 </a:solidFill>
@@ -30957,7 +30875,7 @@
               <a:t>temp</a:t>
             </a:r>
             <a:r>
-              <a:rPr lang="en-US">
+              <a:rPr lang="en-US" dirty="0" err="1">
                 <a:solidFill>
                   <a:srgbClr val="BDBDBD"/>
                 </a:solidFill>
@@ -30965,7 +30883,7 @@
               <a:t>.</a:t>
             </a:r>
             <a:r>
-              <a:rPr lang="en-US" dirty="0">
+              <a:rPr lang="en-US" dirty="0" err="1">
                 <a:solidFill>
                   <a:srgbClr val="66C3CC"/>
                 </a:solidFill>
@@ -31968,6 +31886,242 @@
           </a:p>
         </p:txBody>
       </p:sp>
+      <p:sp>
+        <p:nvSpPr>
+          <p:cNvPr id="18" name="TextBox 17">
+            <a:extLst>
+              <a:ext uri="{FF2B5EF4-FFF2-40B4-BE49-F238E27FC236}">
+                <a16:creationId xmlns:a16="http://schemas.microsoft.com/office/drawing/2014/main" id="{9C8005A1-72D2-CA61-1E6C-3FD50B95CCF5}"/>
+              </a:ext>
+            </a:extLst>
+          </p:cNvPr>
+          <p:cNvSpPr txBox="1"/>
+          <p:nvPr/>
+        </p:nvSpPr>
+        <p:spPr>
+          <a:xfrm>
+            <a:off x="5185428" y="2506149"/>
+            <a:ext cx="284937" cy="400110"/>
+          </a:xfrm>
+          <a:prstGeom prst="rect">
+            <a:avLst/>
+          </a:prstGeom>
+          <a:noFill/>
+          <a:effectLst>
+            <a:glow rad="63500">
+              <a:schemeClr val="accent2">
+                <a:satMod val="175000"/>
+                <a:alpha val="0"/>
+              </a:schemeClr>
+            </a:glow>
+          </a:effectLst>
+        </p:spPr>
+        <p:txBody>
+          <a:bodyPr wrap="square" rtlCol="0">
+            <a:spAutoFit/>
+          </a:bodyPr>
+          <a:lstStyle>
+            <a:defPPr>
+              <a:defRPr lang="en-US"/>
+            </a:defPPr>
+            <a:lvl1pPr>
+              <a:defRPr sz="2000">
+                <a:solidFill>
+                  <a:schemeClr val="bg2"/>
+                </a:solidFill>
+              </a:defRPr>
+            </a:lvl1pPr>
+          </a:lstStyle>
+          <a:p>
+            <a:pPr fontAlgn="base"/>
+            <a:r>
+              <a:rPr lang="en-US" dirty="0">
+                <a:solidFill>
+                  <a:schemeClr val="tx1"/>
+                </a:solidFill>
+              </a:rPr>
+              <a:t>0</a:t>
+            </a:r>
+          </a:p>
+        </p:txBody>
+      </p:sp>
+      <p:sp>
+        <p:nvSpPr>
+          <p:cNvPr id="19" name="TextBox 18">
+            <a:extLst>
+              <a:ext uri="{FF2B5EF4-FFF2-40B4-BE49-F238E27FC236}">
+                <a16:creationId xmlns:a16="http://schemas.microsoft.com/office/drawing/2014/main" id="{525754AB-BE90-7ABB-3996-B00639971B77}"/>
+              </a:ext>
+            </a:extLst>
+          </p:cNvPr>
+          <p:cNvSpPr txBox="1"/>
+          <p:nvPr/>
+        </p:nvSpPr>
+        <p:spPr>
+          <a:xfrm>
+            <a:off x="7176513" y="2497440"/>
+            <a:ext cx="284937" cy="400110"/>
+          </a:xfrm>
+          <a:prstGeom prst="rect">
+            <a:avLst/>
+          </a:prstGeom>
+          <a:noFill/>
+          <a:effectLst>
+            <a:glow rad="63500">
+              <a:schemeClr val="accent2">
+                <a:satMod val="175000"/>
+                <a:alpha val="0"/>
+              </a:schemeClr>
+            </a:glow>
+          </a:effectLst>
+        </p:spPr>
+        <p:txBody>
+          <a:bodyPr wrap="square" rtlCol="0">
+            <a:spAutoFit/>
+          </a:bodyPr>
+          <a:lstStyle>
+            <a:defPPr>
+              <a:defRPr lang="en-US"/>
+            </a:defPPr>
+            <a:lvl1pPr>
+              <a:defRPr sz="2000">
+                <a:solidFill>
+                  <a:schemeClr val="bg2"/>
+                </a:solidFill>
+              </a:defRPr>
+            </a:lvl1pPr>
+          </a:lstStyle>
+          <a:p>
+            <a:pPr fontAlgn="base"/>
+            <a:r>
+              <a:rPr lang="en-US" dirty="0">
+                <a:solidFill>
+                  <a:schemeClr val="tx1"/>
+                </a:solidFill>
+              </a:rPr>
+              <a:t>1</a:t>
+            </a:r>
+          </a:p>
+        </p:txBody>
+      </p:sp>
+      <p:sp>
+        <p:nvSpPr>
+          <p:cNvPr id="20" name="TextBox 19">
+            <a:extLst>
+              <a:ext uri="{FF2B5EF4-FFF2-40B4-BE49-F238E27FC236}">
+                <a16:creationId xmlns:a16="http://schemas.microsoft.com/office/drawing/2014/main" id="{0F896EF7-1DFD-5243-C71F-BD11A6AEFAA8}"/>
+              </a:ext>
+            </a:extLst>
+          </p:cNvPr>
+          <p:cNvSpPr txBox="1"/>
+          <p:nvPr/>
+        </p:nvSpPr>
+        <p:spPr>
+          <a:xfrm>
+            <a:off x="9121797" y="2476174"/>
+            <a:ext cx="284937" cy="400110"/>
+          </a:xfrm>
+          <a:prstGeom prst="rect">
+            <a:avLst/>
+          </a:prstGeom>
+          <a:noFill/>
+          <a:effectLst>
+            <a:glow rad="63500">
+              <a:schemeClr val="accent2">
+                <a:satMod val="175000"/>
+                <a:alpha val="0"/>
+              </a:schemeClr>
+            </a:glow>
+          </a:effectLst>
+        </p:spPr>
+        <p:txBody>
+          <a:bodyPr wrap="square" rtlCol="0">
+            <a:spAutoFit/>
+          </a:bodyPr>
+          <a:lstStyle>
+            <a:defPPr>
+              <a:defRPr lang="en-US"/>
+            </a:defPPr>
+            <a:lvl1pPr>
+              <a:defRPr sz="2000">
+                <a:solidFill>
+                  <a:schemeClr val="bg2"/>
+                </a:solidFill>
+              </a:defRPr>
+            </a:lvl1pPr>
+          </a:lstStyle>
+          <a:p>
+            <a:pPr fontAlgn="base"/>
+            <a:r>
+              <a:rPr lang="en-US" dirty="0">
+                <a:solidFill>
+                  <a:schemeClr val="tx1"/>
+                </a:solidFill>
+              </a:rPr>
+              <a:t>2</a:t>
+            </a:r>
+          </a:p>
+        </p:txBody>
+      </p:sp>
+      <p:sp>
+        <p:nvSpPr>
+          <p:cNvPr id="21" name="TextBox 20">
+            <a:extLst>
+              <a:ext uri="{FF2B5EF4-FFF2-40B4-BE49-F238E27FC236}">
+                <a16:creationId xmlns:a16="http://schemas.microsoft.com/office/drawing/2014/main" id="{881E3ECB-77FB-50D5-7EFD-3227037F453E}"/>
+              </a:ext>
+            </a:extLst>
+          </p:cNvPr>
+          <p:cNvSpPr txBox="1"/>
+          <p:nvPr/>
+        </p:nvSpPr>
+        <p:spPr>
+          <a:xfrm>
+            <a:off x="11067081" y="2497440"/>
+            <a:ext cx="284937" cy="400110"/>
+          </a:xfrm>
+          <a:prstGeom prst="rect">
+            <a:avLst/>
+          </a:prstGeom>
+          <a:noFill/>
+          <a:effectLst>
+            <a:glow rad="63500">
+              <a:schemeClr val="accent2">
+                <a:satMod val="175000"/>
+                <a:alpha val="0"/>
+              </a:schemeClr>
+            </a:glow>
+          </a:effectLst>
+        </p:spPr>
+        <p:txBody>
+          <a:bodyPr wrap="square" rtlCol="0">
+            <a:spAutoFit/>
+          </a:bodyPr>
+          <a:lstStyle>
+            <a:defPPr>
+              <a:defRPr lang="en-US"/>
+            </a:defPPr>
+            <a:lvl1pPr>
+              <a:defRPr sz="2000">
+                <a:solidFill>
+                  <a:schemeClr val="bg2"/>
+                </a:solidFill>
+              </a:defRPr>
+            </a:lvl1pPr>
+          </a:lstStyle>
+          <a:p>
+            <a:pPr fontAlgn="base"/>
+            <a:r>
+              <a:rPr lang="en-US" dirty="0">
+                <a:solidFill>
+                  <a:schemeClr val="tx1"/>
+                </a:solidFill>
+              </a:rPr>
+              <a:t>3</a:t>
+            </a:r>
+          </a:p>
+        </p:txBody>
+      </p:sp>
     </p:spTree>
     <p:extLst>
       <p:ext uri="{BB962C8B-B14F-4D97-AF65-F5344CB8AC3E}">
